--- a/Database Presentation.pptx
+++ b/Database Presentation.pptx
@@ -5,10 +5,10 @@
     <p:sldMasterId id="2147483672" r:id="rId2"/>
   </p:sldMasterIdLst>
   <p:notesMasterIdLst>
-    <p:notesMasterId r:id="rId17"/>
+    <p:notesMasterId r:id="rId18"/>
   </p:notesMasterIdLst>
   <p:handoutMasterIdLst>
-    <p:handoutMasterId r:id="rId18"/>
+    <p:handoutMasterId r:id="rId19"/>
   </p:handoutMasterIdLst>
   <p:sldIdLst>
     <p:sldId id="256" r:id="rId3"/>
@@ -22,9 +22,10 @@
     <p:sldId id="267" r:id="rId11"/>
     <p:sldId id="270" r:id="rId12"/>
     <p:sldId id="271" r:id="rId13"/>
-    <p:sldId id="273" r:id="rId14"/>
-    <p:sldId id="272" r:id="rId15"/>
-    <p:sldId id="265" r:id="rId16"/>
+    <p:sldId id="274" r:id="rId14"/>
+    <p:sldId id="273" r:id="rId15"/>
+    <p:sldId id="272" r:id="rId16"/>
+    <p:sldId id="265" r:id="rId17"/>
   </p:sldIdLst>
   <p:sldSz cx="12188825" cy="6858000"/>
   <p:notesSz cx="6858000" cy="9144000"/>
@@ -1331,16 +1332,16 @@
     </dgm:pt>
   </dgm:ptLst>
   <dgm:cxnLst>
+    <dgm:cxn modelId="{8655C83D-05C4-4D2F-9F0C-D726843AFFD5}" type="presOf" srcId="{3F365547-0919-4C94-A54E-69A7DF73309A}" destId="{79E73FBD-660B-455A-B3BB-258BE45A449F}" srcOrd="1" destOrd="0" presId="urn:microsoft.com/office/officeart/2005/8/layout/venn1"/>
+    <dgm:cxn modelId="{48216F9C-11C3-49EB-906D-D6D952E132F7}" srcId="{94425BE1-5216-4905-BFA8-3A50E745A0F1}" destId="{7857A2B9-82F1-47E0-A1E4-CF4F93602F77}" srcOrd="0" destOrd="0" parTransId="{4CF2B930-4CBC-4FEC-8F76-E4271D22ACC1}" sibTransId="{FBF4032C-6BF0-45B2-963F-81F9DEBFE1BC}"/>
+    <dgm:cxn modelId="{6AC4E105-A902-4A5A-8B9E-D7A078A7D07D}" type="presOf" srcId="{94425BE1-5216-4905-BFA8-3A50E745A0F1}" destId="{2EC7B525-8CD9-45FA-8836-339D46FDD2A6}" srcOrd="0" destOrd="0" presId="urn:microsoft.com/office/officeart/2005/8/layout/venn1"/>
+    <dgm:cxn modelId="{80A6A35C-2F0F-40AB-AB8A-9161201FEC5F}" type="presOf" srcId="{72E6E978-ACDC-4EB6-A64E-0818A3CE1713}" destId="{9481FA54-6A39-4144-89B6-85170A9F4F80}" srcOrd="1" destOrd="0" presId="urn:microsoft.com/office/officeart/2005/8/layout/venn1"/>
+    <dgm:cxn modelId="{605F6E3C-8D57-4433-8C59-B45B1BD29062}" type="presOf" srcId="{3F365547-0919-4C94-A54E-69A7DF73309A}" destId="{B908DE81-B87F-4F4D-B555-F107CE4DB66D}" srcOrd="0" destOrd="0" presId="urn:microsoft.com/office/officeart/2005/8/layout/venn1"/>
+    <dgm:cxn modelId="{094FBBCE-2935-4D72-A60F-B7736F48A835}" type="presOf" srcId="{7857A2B9-82F1-47E0-A1E4-CF4F93602F77}" destId="{650863D7-CE00-479F-9166-49F8C7CA03C9}" srcOrd="1" destOrd="0" presId="urn:microsoft.com/office/officeart/2005/8/layout/venn1"/>
+    <dgm:cxn modelId="{FC2C30CF-3172-4751-9EE0-539A9CE04091}" type="presOf" srcId="{72E6E978-ACDC-4EB6-A64E-0818A3CE1713}" destId="{26A0689A-9C79-436A-9D4B-E6E37CCF2CC4}" srcOrd="0" destOrd="0" presId="urn:microsoft.com/office/officeart/2005/8/layout/venn1"/>
+    <dgm:cxn modelId="{8F9C65CA-CD63-4E75-812F-0489056A9E13}" srcId="{94425BE1-5216-4905-BFA8-3A50E745A0F1}" destId="{72E6E978-ACDC-4EB6-A64E-0818A3CE1713}" srcOrd="1" destOrd="0" parTransId="{6798258A-CE66-400B-BAA5-62EB85BD6B99}" sibTransId="{DBF0854F-D6D6-4677-842A-EC4FFEC6BDED}"/>
     <dgm:cxn modelId="{0FBA7D36-4A19-459D-8DE1-94836224200A}" srcId="{94425BE1-5216-4905-BFA8-3A50E745A0F1}" destId="{3F365547-0919-4C94-A54E-69A7DF73309A}" srcOrd="2" destOrd="0" parTransId="{36F3B829-1134-43FE-9040-CCCFCF9016EB}" sibTransId="{A8D71198-7393-4BB2-A6DF-A980A7496AE3}"/>
     <dgm:cxn modelId="{94B94B78-DFF4-4E6E-B72A-12D4F681CEFC}" type="presOf" srcId="{7857A2B9-82F1-47E0-A1E4-CF4F93602F77}" destId="{ADFB2C05-243E-41AD-8BA0-EFE168331220}" srcOrd="0" destOrd="0" presId="urn:microsoft.com/office/officeart/2005/8/layout/venn1"/>
-    <dgm:cxn modelId="{8655C83D-05C4-4D2F-9F0C-D726843AFFD5}" type="presOf" srcId="{3F365547-0919-4C94-A54E-69A7DF73309A}" destId="{79E73FBD-660B-455A-B3BB-258BE45A449F}" srcOrd="1" destOrd="0" presId="urn:microsoft.com/office/officeart/2005/8/layout/venn1"/>
-    <dgm:cxn modelId="{FC2C30CF-3172-4751-9EE0-539A9CE04091}" type="presOf" srcId="{72E6E978-ACDC-4EB6-A64E-0818A3CE1713}" destId="{26A0689A-9C79-436A-9D4B-E6E37CCF2CC4}" srcOrd="0" destOrd="0" presId="urn:microsoft.com/office/officeart/2005/8/layout/venn1"/>
-    <dgm:cxn modelId="{80A6A35C-2F0F-40AB-AB8A-9161201FEC5F}" type="presOf" srcId="{72E6E978-ACDC-4EB6-A64E-0818A3CE1713}" destId="{9481FA54-6A39-4144-89B6-85170A9F4F80}" srcOrd="1" destOrd="0" presId="urn:microsoft.com/office/officeart/2005/8/layout/venn1"/>
-    <dgm:cxn modelId="{48216F9C-11C3-49EB-906D-D6D952E132F7}" srcId="{94425BE1-5216-4905-BFA8-3A50E745A0F1}" destId="{7857A2B9-82F1-47E0-A1E4-CF4F93602F77}" srcOrd="0" destOrd="0" parTransId="{4CF2B930-4CBC-4FEC-8F76-E4271D22ACC1}" sibTransId="{FBF4032C-6BF0-45B2-963F-81F9DEBFE1BC}"/>
-    <dgm:cxn modelId="{6AC4E105-A902-4A5A-8B9E-D7A078A7D07D}" type="presOf" srcId="{94425BE1-5216-4905-BFA8-3A50E745A0F1}" destId="{2EC7B525-8CD9-45FA-8836-339D46FDD2A6}" srcOrd="0" destOrd="0" presId="urn:microsoft.com/office/officeart/2005/8/layout/venn1"/>
-    <dgm:cxn modelId="{605F6E3C-8D57-4433-8C59-B45B1BD29062}" type="presOf" srcId="{3F365547-0919-4C94-A54E-69A7DF73309A}" destId="{B908DE81-B87F-4F4D-B555-F107CE4DB66D}" srcOrd="0" destOrd="0" presId="urn:microsoft.com/office/officeart/2005/8/layout/venn1"/>
-    <dgm:cxn modelId="{094FBBCE-2935-4D72-A60F-B7736F48A835}" type="presOf" srcId="{7857A2B9-82F1-47E0-A1E4-CF4F93602F77}" destId="{650863D7-CE00-479F-9166-49F8C7CA03C9}" srcOrd="1" destOrd="0" presId="urn:microsoft.com/office/officeart/2005/8/layout/venn1"/>
-    <dgm:cxn modelId="{8F9C65CA-CD63-4E75-812F-0489056A9E13}" srcId="{94425BE1-5216-4905-BFA8-3A50E745A0F1}" destId="{72E6E978-ACDC-4EB6-A64E-0818A3CE1713}" srcOrd="1" destOrd="0" parTransId="{6798258A-CE66-400B-BAA5-62EB85BD6B99}" sibTransId="{DBF0854F-D6D6-4677-842A-EC4FFEC6BDED}"/>
     <dgm:cxn modelId="{D2D01CBC-6B0A-4527-B8CA-C5CB4654985B}" type="presParOf" srcId="{2EC7B525-8CD9-45FA-8836-339D46FDD2A6}" destId="{ADFB2C05-243E-41AD-8BA0-EFE168331220}" srcOrd="0" destOrd="0" presId="urn:microsoft.com/office/officeart/2005/8/layout/venn1"/>
     <dgm:cxn modelId="{464A26A9-0FA5-48B9-B417-30EAC2104D91}" type="presParOf" srcId="{2EC7B525-8CD9-45FA-8836-339D46FDD2A6}" destId="{650863D7-CE00-479F-9166-49F8C7CA03C9}" srcOrd="1" destOrd="0" presId="urn:microsoft.com/office/officeart/2005/8/layout/venn1"/>
     <dgm:cxn modelId="{D93D73DA-6CCF-49B1-A86F-25140F93E57F}" type="presParOf" srcId="{2EC7B525-8CD9-45FA-8836-339D46FDD2A6}" destId="{26A0689A-9C79-436A-9D4B-E6E37CCF2CC4}" srcOrd="2" destOrd="0" presId="urn:microsoft.com/office/officeart/2005/8/layout/venn1"/>
@@ -3640,7 +3641,7 @@
           <a:p>
             <a:fld id="{AC8CEC3D-96F7-401F-9673-3EE7F75C9C5B}" type="datetimeFigureOut">
               <a:rPr lang="en-US"/>
-              <a:t>3/3/2016</a:t>
+              <a:t>3/7/2016</a:t>
             </a:fld>
             <a:endParaRPr dirty="0"/>
           </a:p>
@@ -3805,7 +3806,7 @@
           <a:p>
             <a:fld id="{F032BCF4-D26D-4DAF-9F57-FE1E61FE7935}" type="datetimeFigureOut">
               <a:rPr lang="en-US"/>
-              <a:t>3/3/2016</a:t>
+              <a:t>3/7/2016</a:t>
             </a:fld>
             <a:endParaRPr dirty="0"/>
           </a:p>
@@ -4641,7 +4642,7 @@
           <a:effectLst/>
           <a:extLst>
             <a:ext uri="{91240B29-F687-4f45-9708-019B960494DF}">
-              <a14:hiddenLine xmlns:a14="http://schemas.microsoft.com/office/drawing/2010/main" xmlns="" w="9525">
+              <a14:hiddenLine xmlns="" xmlns:a14="http://schemas.microsoft.com/office/drawing/2010/main" w="9525">
                 <a:solidFill>
                   <a:srgbClr val="000000"/>
                 </a:solidFill>
@@ -4834,7 +4835,7 @@
           <a:p>
             <a:fld id="{DAD2365B-5397-4552-89D2-3C31D6B894C4}" type="datetime1">
               <a:rPr lang="en-US" smtClean="0"/>
-              <a:t>3/3/2016</a:t>
+              <a:t>3/7/2016</a:t>
             </a:fld>
             <a:endParaRPr lang="en-US" dirty="0"/>
           </a:p>
@@ -5166,7 +5167,7 @@
             <a:fld id="{7590C4DA-EDE6-465C-B91D-0B6D7078AFBA}" type="datetime1">
               <a:rPr lang="en-US" smtClean="0"/>
               <a:pPr/>
-              <a:t>3/3/2016</a:t>
+              <a:t>3/7/2016</a:t>
             </a:fld>
             <a:endParaRPr lang="en-US" dirty="0"/>
           </a:p>
@@ -5657,7 +5658,7 @@
             <a:fld id="{7590C4DA-EDE6-465C-B91D-0B6D7078AFBA}" type="datetime1">
               <a:rPr lang="en-US" smtClean="0"/>
               <a:pPr/>
-              <a:t>3/3/2016</a:t>
+              <a:t>3/7/2016</a:t>
             </a:fld>
             <a:endParaRPr lang="en-US" dirty="0"/>
           </a:p>
@@ -6029,7 +6030,7 @@
             <a:fld id="{7590C4DA-EDE6-465C-B91D-0B6D7078AFBA}" type="datetime1">
               <a:rPr lang="en-US" smtClean="0"/>
               <a:pPr/>
-              <a:t>3/3/2016</a:t>
+              <a:t>3/7/2016</a:t>
             </a:fld>
             <a:endParaRPr lang="en-US" dirty="0"/>
           </a:p>
@@ -6186,7 +6187,7 @@
           <a:ln/>
           <a:extLst>
             <a:ext uri="{91240B29-F687-4f45-9708-019B960494DF}">
-              <a14:hiddenLine xmlns:a14="http://schemas.microsoft.com/office/drawing/2010/main" xmlns="" w="9525">
+              <a14:hiddenLine xmlns="" xmlns:a14="http://schemas.microsoft.com/office/drawing/2010/main" w="9525">
                 <a:solidFill>
                   <a:srgbClr val="000000"/>
                 </a:solidFill>
@@ -6304,7 +6305,7 @@
           <a:p>
             <a:fld id="{3718D474-84CF-40A5-B032-DFFDE135438A}" type="datetime1">
               <a:rPr lang="en-US" smtClean="0"/>
-              <a:t>3/3/2016</a:t>
+              <a:t>3/7/2016</a:t>
             </a:fld>
             <a:endParaRPr lang="en-US" dirty="0"/>
           </a:p>
@@ -6473,7 +6474,7 @@
           <a:ln/>
           <a:extLst>
             <a:ext uri="{91240B29-F687-4f45-9708-019B960494DF}">
-              <a14:hiddenLine xmlns:a14="http://schemas.microsoft.com/office/drawing/2010/main" xmlns="" w="9525">
+              <a14:hiddenLine xmlns="" xmlns:a14="http://schemas.microsoft.com/office/drawing/2010/main" w="9525">
                 <a:solidFill>
                   <a:srgbClr val="000000"/>
                 </a:solidFill>
@@ -6601,7 +6602,7 @@
           <a:p>
             <a:fld id="{7067C6EF-6B90-465F-AC36-47BDECADBD65}" type="datetime1">
               <a:rPr lang="en-US" smtClean="0"/>
-              <a:t>3/3/2016</a:t>
+              <a:t>3/7/2016</a:t>
             </a:fld>
             <a:endParaRPr lang="en-US" dirty="0"/>
           </a:p>
@@ -6768,7 +6769,7 @@
           <a:ln/>
           <a:extLst>
             <a:ext uri="{91240B29-F687-4f45-9708-019B960494DF}">
-              <a14:hiddenLine xmlns:a14="http://schemas.microsoft.com/office/drawing/2010/main" xmlns="" w="9525">
+              <a14:hiddenLine xmlns="" xmlns:a14="http://schemas.microsoft.com/office/drawing/2010/main" w="9525">
                 <a:solidFill>
                   <a:srgbClr val="000000"/>
                 </a:solidFill>
@@ -6896,7 +6897,7 @@
           <a:p>
             <a:fld id="{ED1E4A86-2703-4937-ABF7-D8FBDB5C3D3E}" type="datetime1">
               <a:rPr lang="en-US" smtClean="0"/>
-              <a:t>3/3/2016</a:t>
+              <a:t>3/7/2016</a:t>
             </a:fld>
             <a:endParaRPr lang="en-US" dirty="0"/>
           </a:p>
@@ -7251,7 +7252,7 @@
           <a:p>
             <a:fld id="{12E02F23-BD92-4B7B-9DFF-42EEC8F21ED4}" type="datetime1">
               <a:rPr lang="en-US" smtClean="0"/>
-              <a:t>3/3/2016</a:t>
+              <a:t>3/7/2016</a:t>
             </a:fld>
             <a:endParaRPr lang="en-US" dirty="0"/>
           </a:p>
@@ -7419,7 +7420,7 @@
           <a:ln/>
           <a:extLst>
             <a:ext uri="{91240B29-F687-4f45-9708-019B960494DF}">
-              <a14:hiddenLine xmlns:a14="http://schemas.microsoft.com/office/drawing/2010/main" xmlns="" w="9525">
+              <a14:hiddenLine xmlns="" xmlns:a14="http://schemas.microsoft.com/office/drawing/2010/main" w="9525">
                 <a:solidFill>
                   <a:srgbClr val="000000"/>
                 </a:solidFill>
@@ -7603,7 +7604,7 @@
           <a:p>
             <a:fld id="{8814B7EA-8738-442B-ADC7-3A7E6F5C49CD}" type="datetime1">
               <a:rPr lang="en-US" smtClean="0"/>
-              <a:t>3/3/2016</a:t>
+              <a:t>3/7/2016</a:t>
             </a:fld>
             <a:endParaRPr lang="en-US" dirty="0"/>
           </a:p>
@@ -7770,7 +7771,7 @@
           <a:ln/>
           <a:extLst>
             <a:ext uri="{91240B29-F687-4f45-9708-019B960494DF}">
-              <a14:hiddenLine xmlns:a14="http://schemas.microsoft.com/office/drawing/2010/main" xmlns="" w="9525">
+              <a14:hiddenLine xmlns="" xmlns:a14="http://schemas.microsoft.com/office/drawing/2010/main" w="9525">
                 <a:solidFill>
                   <a:srgbClr val="000000"/>
                 </a:solidFill>
@@ -8092,7 +8093,7 @@
           <a:p>
             <a:fld id="{8FE5692D-78A6-499F-901A-E660774CC8EE}" type="datetime1">
               <a:rPr lang="en-US" smtClean="0"/>
-              <a:t>3/3/2016</a:t>
+              <a:t>3/7/2016</a:t>
             </a:fld>
             <a:endParaRPr lang="en-US" dirty="0"/>
           </a:p>
@@ -8259,7 +8260,7 @@
           <a:ln/>
           <a:extLst>
             <a:ext uri="{91240B29-F687-4f45-9708-019B960494DF}">
-              <a14:hiddenLine xmlns:a14="http://schemas.microsoft.com/office/drawing/2010/main" xmlns="" w="9525">
+              <a14:hiddenLine xmlns="" xmlns:a14="http://schemas.microsoft.com/office/drawing/2010/main" w="9525">
                 <a:solidFill>
                   <a:srgbClr val="000000"/>
                 </a:solidFill>
@@ -8325,7 +8326,7 @@
           <a:p>
             <a:fld id="{6776F355-F21B-43C0-ABBD-B5AEBBE279A6}" type="datetime1">
               <a:rPr lang="en-US" smtClean="0"/>
-              <a:t>3/3/2016</a:t>
+              <a:t>3/7/2016</a:t>
             </a:fld>
             <a:endParaRPr lang="en-US" dirty="0"/>
           </a:p>
@@ -8432,7 +8433,7 @@
           <a:p>
             <a:fld id="{C0AB95E7-F437-40FB-91EE-0B08B57CB523}" type="datetime1">
               <a:rPr lang="en-US" smtClean="0"/>
-              <a:t>3/3/2016</a:t>
+              <a:t>3/7/2016</a:t>
             </a:fld>
             <a:endParaRPr lang="en-US" dirty="0"/>
           </a:p>
@@ -8712,7 +8713,7 @@
           <a:ln/>
           <a:extLst>
             <a:ext uri="{91240B29-F687-4f45-9708-019B960494DF}">
-              <a14:hiddenLine xmlns:a14="http://schemas.microsoft.com/office/drawing/2010/main" xmlns="" w="9525">
+              <a14:hiddenLine xmlns="" xmlns:a14="http://schemas.microsoft.com/office/drawing/2010/main" w="9525">
                 <a:solidFill>
                   <a:srgbClr val="000000"/>
                 </a:solidFill>
@@ -8911,7 +8912,7 @@
           <a:p>
             <a:fld id="{67709EEF-87D9-4049-9A5D-A2B5E4C83A85}" type="datetime1">
               <a:rPr lang="en-US" smtClean="0"/>
-              <a:t>3/3/2016</a:t>
+              <a:t>3/7/2016</a:t>
             </a:fld>
             <a:endParaRPr lang="en-US" dirty="0"/>
           </a:p>
@@ -9236,7 +9237,7 @@
           <a:p>
             <a:fld id="{CAEBD992-82F2-4752-BCD7-4BDCCFA26099}" type="datetime1">
               <a:rPr lang="en-US" smtClean="0"/>
-              <a:t>3/3/2016</a:t>
+              <a:t>3/7/2016</a:t>
             </a:fld>
             <a:endParaRPr lang="en-US" dirty="0"/>
           </a:p>
@@ -9519,7 +9520,7 @@
             <a:fld id="{7590C4DA-EDE6-465C-B91D-0B6D7078AFBA}" type="datetime1">
               <a:rPr lang="en-US" smtClean="0"/>
               <a:pPr/>
-              <a:t>3/3/2016</a:t>
+              <a:t>3/7/2016</a:t>
             </a:fld>
             <a:endParaRPr lang="en-US" dirty="0"/>
           </a:p>
@@ -10175,29 +10176,296 @@
               <a:rPr lang="en-US" dirty="0">
                 <a:latin typeface="Crete Round" panose="02000503050000020004" pitchFamily="50" charset="0"/>
               </a:rPr>
-              <a:t>Querying</a:t>
+              <a:t>MongoDB: </a:t>
+            </a:r>
+            <a:r>
+              <a:rPr lang="en-US" b="0" dirty="0">
+                <a:latin typeface="Crete Round" panose="02000503050000020004" pitchFamily="50" charset="0"/>
+              </a:rPr>
+              <a:t>Users &amp; Privileges</a:t>
             </a:r>
           </a:p>
         </p:txBody>
       </p:sp>
       <p:sp>
         <p:nvSpPr>
-          <p:cNvPr id="3" name="Content Placeholder 2"/>
-          <p:cNvSpPr>
-            <a:spLocks noGrp="1"/>
-          </p:cNvSpPr>
-          <p:nvPr>
-            <p:ph idx="1"/>
-          </p:nvPr>
+          <p:cNvPr id="5" name="Rectangle 4"/>
+          <p:cNvSpPr/>
+          <p:nvPr/>
         </p:nvSpPr>
-        <p:spPr/>
+        <p:spPr>
+          <a:xfrm>
+            <a:off x="715796" y="2348880"/>
+            <a:ext cx="10757230" cy="4104456"/>
+          </a:xfrm>
+          <a:prstGeom prst="rect">
+            <a:avLst/>
+          </a:prstGeom>
+          <a:solidFill>
+            <a:schemeClr val="bg1">
+              <a:lumMod val="75000"/>
+              <a:lumOff val="25000"/>
+            </a:schemeClr>
+          </a:solidFill>
+          <a:ln>
+            <a:solidFill>
+              <a:schemeClr val="accent6"/>
+            </a:solidFill>
+          </a:ln>
+        </p:spPr>
+        <p:style>
+          <a:lnRef idx="2">
+            <a:schemeClr val="accent1">
+              <a:shade val="50000"/>
+            </a:schemeClr>
+          </a:lnRef>
+          <a:fillRef idx="1">
+            <a:schemeClr val="accent1"/>
+          </a:fillRef>
+          <a:effectRef idx="0">
+            <a:schemeClr val="accent1"/>
+          </a:effectRef>
+          <a:fontRef idx="minor">
+            <a:schemeClr val="lt1"/>
+          </a:fontRef>
+        </p:style>
         <p:txBody>
-          <a:bodyPr/>
+          <a:bodyPr rtlCol="0" anchor="ctr"/>
           <a:lstStyle/>
           <a:p>
             <a:r>
-              <a:rPr lang="en-US" dirty="0"/>
-              <a:t>Examples of querying</a:t>
+              <a:rPr lang="en-GB" sz="1400" dirty="0" err="1">
+                <a:latin typeface="Arvo" panose="02000000000000000000" pitchFamily="2" charset="0"/>
+              </a:rPr>
+              <a:t>db.createUser</a:t>
+            </a:r>
+            <a:r>
+              <a:rPr lang="en-GB" sz="1400" dirty="0">
+                <a:latin typeface="Arvo" panose="02000000000000000000" pitchFamily="2" charset="0"/>
+              </a:rPr>
+              <a:t> ({</a:t>
+            </a:r>
+          </a:p>
+          <a:p>
+            <a:r>
+              <a:rPr lang="en-GB" sz="1400" dirty="0">
+                <a:latin typeface="Arvo" panose="02000000000000000000" pitchFamily="2" charset="0"/>
+              </a:rPr>
+              <a:t>	user : 'test',</a:t>
+            </a:r>
+          </a:p>
+          <a:p>
+            <a:r>
+              <a:rPr lang="en-GB" sz="1400" dirty="0">
+                <a:latin typeface="Arvo" panose="02000000000000000000" pitchFamily="2" charset="0"/>
+              </a:rPr>
+              <a:t>	</a:t>
+            </a:r>
+            <a:r>
+              <a:rPr lang="en-GB" sz="1400" dirty="0" err="1">
+                <a:latin typeface="Arvo" panose="02000000000000000000" pitchFamily="2" charset="0"/>
+              </a:rPr>
+              <a:t>pwd</a:t>
+            </a:r>
+            <a:r>
+              <a:rPr lang="en-GB" sz="1400" dirty="0">
+                <a:latin typeface="Arvo" panose="02000000000000000000" pitchFamily="2" charset="0"/>
+              </a:rPr>
+              <a:t> : 'test',</a:t>
+            </a:r>
+          </a:p>
+          <a:p>
+            <a:r>
+              <a:rPr lang="en-GB" sz="1400" dirty="0">
+                <a:latin typeface="Arvo" panose="02000000000000000000" pitchFamily="2" charset="0"/>
+              </a:rPr>
+              <a:t>	roles : [{</a:t>
+            </a:r>
+          </a:p>
+          <a:p>
+            <a:r>
+              <a:rPr lang="en-GB" sz="1400" dirty="0">
+                <a:latin typeface="Arvo" panose="02000000000000000000" pitchFamily="2" charset="0"/>
+              </a:rPr>
+              <a:t>		role : '</a:t>
+            </a:r>
+            <a:r>
+              <a:rPr lang="en-GB" sz="1400" dirty="0" err="1">
+                <a:latin typeface="Arvo" panose="02000000000000000000" pitchFamily="2" charset="0"/>
+              </a:rPr>
+              <a:t>readWrite</a:t>
+            </a:r>
+            <a:r>
+              <a:rPr lang="en-GB" sz="1400" dirty="0">
+                <a:latin typeface="Arvo" panose="02000000000000000000" pitchFamily="2" charset="0"/>
+              </a:rPr>
+              <a:t>',</a:t>
+            </a:r>
+          </a:p>
+          <a:p>
+            <a:r>
+              <a:rPr lang="en-GB" sz="1400" dirty="0">
+                <a:latin typeface="Arvo" panose="02000000000000000000" pitchFamily="2" charset="0"/>
+              </a:rPr>
+              <a:t>		</a:t>
+            </a:r>
+            <a:r>
+              <a:rPr lang="en-GB" sz="1400" dirty="0" err="1">
+                <a:latin typeface="Arvo" panose="02000000000000000000" pitchFamily="2" charset="0"/>
+              </a:rPr>
+              <a:t>db</a:t>
+            </a:r>
+            <a:r>
+              <a:rPr lang="en-GB" sz="1400" dirty="0">
+                <a:latin typeface="Arvo" panose="02000000000000000000" pitchFamily="2" charset="0"/>
+              </a:rPr>
+              <a:t> : 'test',</a:t>
+            </a:r>
+          </a:p>
+          <a:p>
+            <a:r>
+              <a:rPr lang="en-GB" sz="1400" dirty="0">
+                <a:latin typeface="Arvo" panose="02000000000000000000" pitchFamily="2" charset="0"/>
+              </a:rPr>
+              <a:t>		collection : 'Customer‘</a:t>
+            </a:r>
+          </a:p>
+          <a:p>
+            <a:r>
+              <a:rPr lang="en-GB" sz="1400" dirty="0">
+                <a:latin typeface="Arvo" panose="02000000000000000000" pitchFamily="2" charset="0"/>
+              </a:rPr>
+              <a:t>	}]</a:t>
+            </a:r>
+          </a:p>
+          <a:p>
+            <a:r>
+              <a:rPr lang="en-GB" sz="1400" dirty="0">
+                <a:latin typeface="Arvo" panose="02000000000000000000" pitchFamily="2" charset="0"/>
+              </a:rPr>
+              <a:t>})</a:t>
+            </a:r>
+          </a:p>
+          <a:p>
+            <a:r>
+              <a:rPr lang="en-GB" sz="1400" dirty="0" err="1">
+                <a:latin typeface="Arvo" panose="02000000000000000000" pitchFamily="2" charset="0"/>
+              </a:rPr>
+              <a:t>db.runCommand</a:t>
+            </a:r>
+            <a:r>
+              <a:rPr lang="en-GB" sz="1400" dirty="0">
+                <a:latin typeface="Arvo" panose="02000000000000000000" pitchFamily="2" charset="0"/>
+              </a:rPr>
+              <a:t> ({</a:t>
+            </a:r>
+          </a:p>
+          <a:p>
+            <a:r>
+              <a:rPr lang="en-GB" sz="1400" dirty="0">
+                <a:latin typeface="Arvo" panose="02000000000000000000" pitchFamily="2" charset="0"/>
+              </a:rPr>
+              <a:t>	</a:t>
+            </a:r>
+            <a:r>
+              <a:rPr lang="en-GB" sz="1400" dirty="0" err="1">
+                <a:latin typeface="Arvo" panose="02000000000000000000" pitchFamily="2" charset="0"/>
+              </a:rPr>
+              <a:t>updateRole</a:t>
+            </a:r>
+            <a:r>
+              <a:rPr lang="en-GB" sz="1400" dirty="0">
+                <a:latin typeface="Arvo" panose="02000000000000000000" pitchFamily="2" charset="0"/>
+              </a:rPr>
+              <a:t> : "test",</a:t>
+            </a:r>
+          </a:p>
+          <a:p>
+            <a:r>
+              <a:rPr lang="en-GB" sz="1400" dirty="0">
+                <a:latin typeface="Arvo" panose="02000000000000000000" pitchFamily="2" charset="0"/>
+              </a:rPr>
+              <a:t>	</a:t>
+            </a:r>
+            <a:r>
+              <a:rPr lang="en-GB" sz="1400" dirty="0" err="1">
+                <a:latin typeface="Arvo" panose="02000000000000000000" pitchFamily="2" charset="0"/>
+              </a:rPr>
+              <a:t>priveleges</a:t>
+            </a:r>
+            <a:r>
+              <a:rPr lang="en-GB" sz="1400" dirty="0">
+                <a:latin typeface="Arvo" panose="02000000000000000000" pitchFamily="2" charset="0"/>
+              </a:rPr>
+              <a:t> : [{</a:t>
+            </a:r>
+          </a:p>
+          <a:p>
+            <a:r>
+              <a:rPr lang="en-GB" sz="1400" dirty="0">
+                <a:latin typeface="Arvo" panose="02000000000000000000" pitchFamily="2" charset="0"/>
+              </a:rPr>
+              <a:t>		resource : {</a:t>
+            </a:r>
+          </a:p>
+          <a:p>
+            <a:r>
+              <a:rPr lang="en-GB" sz="1400" dirty="0">
+                <a:latin typeface="Arvo" panose="02000000000000000000" pitchFamily="2" charset="0"/>
+              </a:rPr>
+              <a:t>			</a:t>
+            </a:r>
+            <a:r>
+              <a:rPr lang="en-GB" sz="1400" dirty="0" err="1">
+                <a:latin typeface="Arvo" panose="02000000000000000000" pitchFamily="2" charset="0"/>
+              </a:rPr>
+              <a:t>db</a:t>
+            </a:r>
+            <a:r>
+              <a:rPr lang="en-GB" sz="1400" dirty="0">
+                <a:latin typeface="Arvo" panose="02000000000000000000" pitchFamily="2" charset="0"/>
+              </a:rPr>
+              <a:t> : "test",</a:t>
+            </a:r>
+          </a:p>
+          <a:p>
+            <a:r>
+              <a:rPr lang="en-GB" sz="1400" dirty="0">
+                <a:latin typeface="Arvo" panose="02000000000000000000" pitchFamily="2" charset="0"/>
+              </a:rPr>
+              <a:t>			collection : "Customer“</a:t>
+            </a:r>
+          </a:p>
+          <a:p>
+            <a:r>
+              <a:rPr lang="en-GB" sz="1400" dirty="0">
+                <a:latin typeface="Arvo" panose="02000000000000000000" pitchFamily="2" charset="0"/>
+              </a:rPr>
+              <a:t>		},</a:t>
+            </a:r>
+          </a:p>
+          <a:p>
+            <a:r>
+              <a:rPr lang="en-GB" sz="1400" dirty="0">
+                <a:latin typeface="Arvo" panose="02000000000000000000" pitchFamily="2" charset="0"/>
+              </a:rPr>
+              <a:t>		actions : ["find", "update", "insert", "remove“]</a:t>
+            </a:r>
+          </a:p>
+          <a:p>
+            <a:r>
+              <a:rPr lang="en-GB" sz="1400" dirty="0">
+                <a:latin typeface="Arvo" panose="02000000000000000000" pitchFamily="2" charset="0"/>
+              </a:rPr>
+              <a:t>	}]</a:t>
+            </a:r>
+          </a:p>
+          <a:p>
+            <a:r>
+              <a:rPr lang="en-GB" sz="1400" dirty="0">
+                <a:latin typeface="Arvo" panose="02000000000000000000" pitchFamily="2" charset="0"/>
+              </a:rPr>
+              <a:t>})</a:t>
             </a:r>
           </a:p>
         </p:txBody>
@@ -10270,30 +10538,88 @@
       </p:sp>
       <p:sp>
         <p:nvSpPr>
-          <p:cNvPr id="3" name="Content Placeholder 2"/>
-          <p:cNvSpPr>
-            <a:spLocks noGrp="1"/>
-          </p:cNvSpPr>
-          <p:nvPr>
-            <p:ph idx="1"/>
-          </p:nvPr>
+          <p:cNvPr id="5" name="Rectangle 4"/>
+          <p:cNvSpPr/>
+          <p:nvPr/>
         </p:nvSpPr>
-        <p:spPr/>
+        <p:spPr>
+          <a:xfrm>
+            <a:off x="715796" y="2348880"/>
+            <a:ext cx="10757230" cy="4104456"/>
+          </a:xfrm>
+          <a:prstGeom prst="rect">
+            <a:avLst/>
+          </a:prstGeom>
+          <a:solidFill>
+            <a:schemeClr val="bg1">
+              <a:lumMod val="75000"/>
+              <a:lumOff val="25000"/>
+            </a:schemeClr>
+          </a:solidFill>
+          <a:ln>
+            <a:solidFill>
+              <a:schemeClr val="accent6"/>
+            </a:solidFill>
+          </a:ln>
+        </p:spPr>
+        <p:style>
+          <a:lnRef idx="2">
+            <a:schemeClr val="accent1">
+              <a:shade val="50000"/>
+            </a:schemeClr>
+          </a:lnRef>
+          <a:fillRef idx="1">
+            <a:schemeClr val="accent1"/>
+          </a:fillRef>
+          <a:effectRef idx="0">
+            <a:schemeClr val="accent1"/>
+          </a:effectRef>
+          <a:fontRef idx="minor">
+            <a:schemeClr val="lt1"/>
+          </a:fontRef>
+        </p:style>
         <p:txBody>
-          <a:bodyPr/>
+          <a:bodyPr rtlCol="0" anchor="ctr"/>
           <a:lstStyle/>
           <a:p>
             <a:r>
-              <a:rPr lang="en-US" dirty="0"/>
-              <a:t>Examples of querying</a:t>
+              <a:rPr lang="en-GB" sz="1400" dirty="0" err="1">
+                <a:latin typeface="Arvo" panose="02000000000000000000" pitchFamily="2" charset="0"/>
+              </a:rPr>
+              <a:t>db.Catalogue.find</a:t>
             </a:r>
+            <a:r>
+              <a:rPr lang="en-GB" sz="1400" dirty="0">
+                <a:latin typeface="Arvo" panose="02000000000000000000" pitchFamily="2" charset="0"/>
+              </a:rPr>
+              <a:t>().pretty()</a:t>
+            </a:r>
+          </a:p>
+          <a:p>
+            <a:r>
+              <a:rPr lang="en-GB" sz="1400" dirty="0" err="1">
+                <a:latin typeface="Arvo" panose="02000000000000000000" pitchFamily="2" charset="0"/>
+              </a:rPr>
+              <a:t>db.Catalogue.find</a:t>
+            </a:r>
+            <a:r>
+              <a:rPr lang="en-GB" sz="1400" dirty="0">
+                <a:latin typeface="Arvo" panose="02000000000000000000" pitchFamily="2" charset="0"/>
+              </a:rPr>
+              <a:t>({customerID:800001},{customerID:1}).pretty()</a:t>
+            </a:r>
+          </a:p>
+          <a:p>
+            <a:endParaRPr lang="en-GB" sz="1400" dirty="0">
+              <a:latin typeface="Arvo" panose="02000000000000000000" pitchFamily="2" charset="0"/>
+            </a:endParaRPr>
           </a:p>
         </p:txBody>
       </p:sp>
     </p:spTree>
     <p:extLst>
       <p:ext uri="{BB962C8B-B14F-4D97-AF65-F5344CB8AC3E}">
-        <p14:creationId xmlns:p14="http://schemas.microsoft.com/office/powerpoint/2010/main" val="478815586"/>
+        <p14:creationId xmlns:p14="http://schemas.microsoft.com/office/powerpoint/2010/main" val="3284071251"/>
       </p:ext>
     </p:extLst>
   </p:cSld>
@@ -10381,6 +10707,94 @@
     </p:spTree>
     <p:extLst>
       <p:ext uri="{BB962C8B-B14F-4D97-AF65-F5344CB8AC3E}">
+        <p14:creationId xmlns:p14="http://schemas.microsoft.com/office/powerpoint/2010/main" val="478815586"/>
+      </p:ext>
+    </p:extLst>
+  </p:cSld>
+  <p:clrMapOvr>
+    <a:masterClrMapping/>
+  </p:clrMapOvr>
+  <mc:AlternateContent xmlns:mc="http://schemas.openxmlformats.org/markup-compatibility/2006" xmlns:p14="http://schemas.microsoft.com/office/powerpoint/2010/main">
+    <mc:Choice Requires="p14">
+      <p:transition spd="med" p14:dur="700">
+        <p:fade/>
+      </p:transition>
+    </mc:Choice>
+    <mc:Fallback xmlns="">
+      <p:transition spd="med">
+        <p:fade/>
+      </p:transition>
+    </mc:Fallback>
+  </mc:AlternateContent>
+</p:sld>
+</file>
+
+<file path=ppt/slides/slide14.xml><?xml version="1.0" encoding="utf-8"?>
+<p:sld xmlns:a="http://schemas.openxmlformats.org/drawingml/2006/main" xmlns:r="http://schemas.openxmlformats.org/officeDocument/2006/relationships" xmlns:p="http://schemas.openxmlformats.org/presentationml/2006/main">
+  <p:cSld>
+    <p:spTree>
+      <p:nvGrpSpPr>
+        <p:cNvPr id="1" name=""/>
+        <p:cNvGrpSpPr/>
+        <p:nvPr/>
+      </p:nvGrpSpPr>
+      <p:grpSpPr>
+        <a:xfrm>
+          <a:off x="0" y="0"/>
+          <a:ext cx="0" cy="0"/>
+          <a:chOff x="0" y="0"/>
+          <a:chExt cx="0" cy="0"/>
+        </a:xfrm>
+      </p:grpSpPr>
+      <p:sp>
+        <p:nvSpPr>
+          <p:cNvPr id="2" name="Title 1"/>
+          <p:cNvSpPr>
+            <a:spLocks noGrp="1"/>
+          </p:cNvSpPr>
+          <p:nvPr>
+            <p:ph type="title"/>
+          </p:nvPr>
+        </p:nvSpPr>
+        <p:spPr/>
+        <p:txBody>
+          <a:bodyPr/>
+          <a:lstStyle/>
+          <a:p>
+            <a:r>
+              <a:rPr lang="en-US" dirty="0">
+                <a:latin typeface="Crete Round" panose="02000503050000020004" pitchFamily="50" charset="0"/>
+              </a:rPr>
+              <a:t>Querying</a:t>
+            </a:r>
+          </a:p>
+        </p:txBody>
+      </p:sp>
+      <p:sp>
+        <p:nvSpPr>
+          <p:cNvPr id="3" name="Content Placeholder 2"/>
+          <p:cNvSpPr>
+            <a:spLocks noGrp="1"/>
+          </p:cNvSpPr>
+          <p:nvPr>
+            <p:ph idx="1"/>
+          </p:nvPr>
+        </p:nvSpPr>
+        <p:spPr/>
+        <p:txBody>
+          <a:bodyPr/>
+          <a:lstStyle/>
+          <a:p>
+            <a:r>
+              <a:rPr lang="en-US" dirty="0"/>
+              <a:t>Examples of querying</a:t>
+            </a:r>
+          </a:p>
+        </p:txBody>
+      </p:sp>
+    </p:spTree>
+    <p:extLst>
+      <p:ext uri="{BB962C8B-B14F-4D97-AF65-F5344CB8AC3E}">
         <p14:creationId xmlns:p14="http://schemas.microsoft.com/office/powerpoint/2010/main" val="3202116927"/>
       </p:ext>
     </p:extLst>
@@ -10403,7 +10817,7 @@
 </p:sld>
 </file>
 
-<file path=ppt/slides/slide14.xml><?xml version="1.0" encoding="utf-8"?>
+<file path=ppt/slides/slide15.xml><?xml version="1.0" encoding="utf-8"?>
 <p:sld xmlns:a="http://schemas.openxmlformats.org/drawingml/2006/main" xmlns:r="http://schemas.openxmlformats.org/officeDocument/2006/relationships" xmlns:p="http://schemas.openxmlformats.org/presentationml/2006/main">
   <p:cSld>
     <p:spTree>
